--- a/Later/Spring/12_email/5/Spring Email Integration Tutorial with Annotations.pptx
+++ b/Later/Spring/12_email/5/Spring Email Integration Tutorial with Annotations.pptx
@@ -196,7 +196,7 @@
           <a:p>
             <a:fld id="{62274EC6-3890-417B-9308-14EFBD00FA63}" type="datetimeFigureOut">
               <a:rPr lang="en-US" smtClean="0"/>
-              <a:t>12/5/2018</a:t>
+              <a:t>12/7/2018</a:t>
             </a:fld>
             <a:endParaRPr lang="en-US" dirty="0"/>
           </a:p>
@@ -1091,7 +1091,7 @@
             <a:fld id="{1D8BD707-D9CF-40AE-B4C6-C98DA3205C09}" type="datetimeFigureOut">
               <a:rPr lang="en-US" smtClean="0"/>
               <a:pPr/>
-              <a:t>12/5/2018</a:t>
+              <a:t>12/7/2018</a:t>
             </a:fld>
             <a:endParaRPr lang="en-US" dirty="0"/>
           </a:p>
@@ -1263,7 +1263,7 @@
             <a:fld id="{1D8BD707-D9CF-40AE-B4C6-C98DA3205C09}" type="datetimeFigureOut">
               <a:rPr lang="en-US" smtClean="0"/>
               <a:pPr/>
-              <a:t>12/5/2018</a:t>
+              <a:t>12/7/2018</a:t>
             </a:fld>
             <a:endParaRPr lang="en-US" dirty="0"/>
           </a:p>
@@ -1445,7 +1445,7 @@
             <a:fld id="{1D8BD707-D9CF-40AE-B4C6-C98DA3205C09}" type="datetimeFigureOut">
               <a:rPr lang="en-US" smtClean="0"/>
               <a:pPr/>
-              <a:t>12/5/2018</a:t>
+              <a:t>12/7/2018</a:t>
             </a:fld>
             <a:endParaRPr lang="en-US" dirty="0"/>
           </a:p>
@@ -1617,7 +1617,7 @@
             <a:fld id="{1D8BD707-D9CF-40AE-B4C6-C98DA3205C09}" type="datetimeFigureOut">
               <a:rPr lang="en-US" smtClean="0"/>
               <a:pPr/>
-              <a:t>12/5/2018</a:t>
+              <a:t>12/7/2018</a:t>
             </a:fld>
             <a:endParaRPr lang="en-US" dirty="0"/>
           </a:p>
@@ -1865,7 +1865,7 @@
             <a:fld id="{1D8BD707-D9CF-40AE-B4C6-C98DA3205C09}" type="datetimeFigureOut">
               <a:rPr lang="en-US" smtClean="0"/>
               <a:pPr/>
-              <a:t>12/5/2018</a:t>
+              <a:t>12/7/2018</a:t>
             </a:fld>
             <a:endParaRPr lang="en-US" dirty="0"/>
           </a:p>
@@ -2155,7 +2155,7 @@
             <a:fld id="{1D8BD707-D9CF-40AE-B4C6-C98DA3205C09}" type="datetimeFigureOut">
               <a:rPr lang="en-US" smtClean="0"/>
               <a:pPr/>
-              <a:t>12/5/2018</a:t>
+              <a:t>12/7/2018</a:t>
             </a:fld>
             <a:endParaRPr lang="en-US" dirty="0"/>
           </a:p>
@@ -2584,7 +2584,7 @@
             <a:fld id="{1D8BD707-D9CF-40AE-B4C6-C98DA3205C09}" type="datetimeFigureOut">
               <a:rPr lang="en-US" smtClean="0"/>
               <a:pPr/>
-              <a:t>12/5/2018</a:t>
+              <a:t>12/7/2018</a:t>
             </a:fld>
             <a:endParaRPr lang="en-US" dirty="0"/>
           </a:p>
@@ -2704,7 +2704,7 @@
             <a:fld id="{1D8BD707-D9CF-40AE-B4C6-C98DA3205C09}" type="datetimeFigureOut">
               <a:rPr lang="en-US" smtClean="0"/>
               <a:pPr/>
-              <a:t>12/5/2018</a:t>
+              <a:t>12/7/2018</a:t>
             </a:fld>
             <a:endParaRPr lang="en-US" dirty="0"/>
           </a:p>
@@ -2801,7 +2801,7 @@
             <a:fld id="{1D8BD707-D9CF-40AE-B4C6-C98DA3205C09}" type="datetimeFigureOut">
               <a:rPr lang="en-US" smtClean="0"/>
               <a:pPr/>
-              <a:t>12/5/2018</a:t>
+              <a:t>12/7/2018</a:t>
             </a:fld>
             <a:endParaRPr lang="en-US" dirty="0"/>
           </a:p>
@@ -3080,7 +3080,7 @@
             <a:fld id="{1D8BD707-D9CF-40AE-B4C6-C98DA3205C09}" type="datetimeFigureOut">
               <a:rPr lang="en-US" smtClean="0"/>
               <a:pPr/>
-              <a:t>12/5/2018</a:t>
+              <a:t>12/7/2018</a:t>
             </a:fld>
             <a:endParaRPr lang="en-US" dirty="0"/>
           </a:p>
@@ -3335,7 +3335,7 @@
             <a:fld id="{1D8BD707-D9CF-40AE-B4C6-C98DA3205C09}" type="datetimeFigureOut">
               <a:rPr lang="en-US" smtClean="0"/>
               <a:pPr/>
-              <a:t>12/5/2018</a:t>
+              <a:t>12/7/2018</a:t>
             </a:fld>
             <a:endParaRPr lang="en-US" dirty="0"/>
           </a:p>
@@ -3550,7 +3550,7 @@
             <a:fld id="{1D8BD707-D9CF-40AE-B4C6-C98DA3205C09}" type="datetimeFigureOut">
               <a:rPr lang="en-US" smtClean="0"/>
               <a:pPr/>
-              <a:t>12/5/2018</a:t>
+              <a:t>12/7/2018</a:t>
             </a:fld>
             <a:endParaRPr lang="en-US" dirty="0"/>
           </a:p>
@@ -4368,35 +4368,11 @@
             </a:r>
             <a:r>
               <a:rPr lang="en-US" sz="1200" dirty="0" smtClean="0"/>
-              <a:t>AP </a:t>
-            </a:r>
-            <a:r>
-              <a:rPr lang="en-US" sz="1200" dirty="0" smtClean="0"/>
-              <a:t>Ijavax.mail.javax.mail-api</a:t>
-            </a:r>
-            <a:r>
-              <a:rPr lang="en-US" sz="1200" dirty="0" smtClean="0"/>
-              <a:t> </a:t>
+              <a:t>AP Ijavax.mail.javax.mail-api </a:t>
             </a:r>
             <a:r>
               <a:rPr lang="en-US" sz="1200" dirty="0"/>
-              <a:t>&amp; implementation </a:t>
-            </a:r>
-            <a:r>
-              <a:rPr lang="en-US" sz="1200" dirty="0"/>
-              <a:t>javax.mail.mail</a:t>
-            </a:r>
-            <a:r>
-              <a:rPr lang="en-US" sz="1200" dirty="0"/>
-              <a:t> in our pom.xml. Spring’s </a:t>
-            </a:r>
-            <a:r>
-              <a:rPr lang="en-US" sz="1200" dirty="0"/>
-              <a:t>EMail</a:t>
-            </a:r>
-            <a:r>
-              <a:rPr lang="en-US" sz="1200" dirty="0"/>
-              <a:t> support related stuff is packaged under spring-context-support.</a:t>
+              <a:t>&amp; implementation javax.mail.mail in our pom.xml. Spring’s EMail support related stuff is packaged under spring-context-support.</a:t>
             </a:r>
           </a:p>
         </p:txBody>
@@ -4797,7 +4773,6 @@
               <a:rPr lang="en-US" sz="1200" dirty="0"/>
               <a:t>Spring comes with utility libraries which abstracts away the complexities of the underlying mailing system, provides super-simple API to use in your application to send emails</a:t>
             </a:r>
-            <a:endParaRPr lang="en-US" sz="1200" dirty="0"/>
           </a:p>
         </p:txBody>
       </p:sp>
@@ -4846,11 +4821,7 @@
           <a:p>
             <a:r>
               <a:rPr lang="en-US" sz="1200" b="1" dirty="0"/>
-              <a:t>MailSender</a:t>
-            </a:r>
-            <a:r>
-              <a:rPr lang="en-US" sz="1200" b="1" dirty="0"/>
-              <a:t> : </a:t>
+              <a:t>MailSender : </a:t>
             </a:r>
             <a:r>
               <a:rPr lang="en-US" sz="1200" b="1" dirty="0" smtClean="0"/>
@@ -4862,15 +4833,7 @@
             </a:r>
             <a:r>
               <a:rPr lang="en-US" sz="1200" dirty="0"/>
-              <a:t>for sending simple mail messages, providing ‘</a:t>
-            </a:r>
-            <a:r>
-              <a:rPr lang="en-US" sz="1200" dirty="0"/>
-              <a:t>from’,’to’,’cc’,’bcc’,’subject</a:t>
-            </a:r>
-            <a:r>
-              <a:rPr lang="en-US" sz="1200" dirty="0"/>
-              <a:t>’ &amp; other mail properties</a:t>
+              <a:t>for sending simple mail messages, providing ‘from’,’to’,’cc’,’bcc’,’subject’ &amp; other mail properties</a:t>
             </a:r>
             <a:r>
               <a:rPr lang="en-US" sz="1200" dirty="0" smtClean="0"/>
@@ -4883,11 +4846,7 @@
           <a:p>
             <a:r>
               <a:rPr lang="en-US" sz="1200" b="1" dirty="0"/>
-              <a:t>JavaMailSender</a:t>
-            </a:r>
-            <a:r>
-              <a:rPr lang="en-US" sz="1200" b="1" dirty="0"/>
-              <a:t> </a:t>
+              <a:t>JavaMailSender </a:t>
             </a:r>
             <a:r>
               <a:rPr lang="en-US" sz="1200" b="1" dirty="0" smtClean="0"/>
@@ -4895,15 +4854,7 @@
             </a:r>
             <a:r>
               <a:rPr lang="en-US" sz="1200" dirty="0"/>
-              <a:t>Extends </a:t>
-            </a:r>
-            <a:r>
-              <a:rPr lang="en-US" sz="1200" dirty="0"/>
-              <a:t>MailSender</a:t>
-            </a:r>
-            <a:r>
-              <a:rPr lang="en-US" sz="1200" dirty="0"/>
-              <a:t>, adds specialized JavaMail features such as MIME message support.</a:t>
+              <a:t>Extends MailSender, adds specialized JavaMail features such as MIME message support.</a:t>
             </a:r>
           </a:p>
         </p:txBody>
@@ -4968,15 +4919,7 @@
             </a:r>
             <a:r>
               <a:rPr lang="en-US" sz="1200" dirty="0"/>
-              <a:t>our configuration class, using Gmail SMTP connection settings to send emails using </a:t>
-            </a:r>
-            <a:r>
-              <a:rPr lang="en-US" sz="1200" dirty="0"/>
-              <a:t>gmail</a:t>
-            </a:r>
-            <a:r>
-              <a:rPr lang="en-US" sz="1200" dirty="0"/>
-              <a:t>.</a:t>
+              <a:t>our configuration class, using Gmail SMTP connection settings to send emails using gmail.</a:t>
             </a:r>
           </a:p>
         </p:txBody>
@@ -5535,25 +5478,8 @@
             </a:r>
             <a:r>
               <a:rPr lang="en-US" sz="1200" dirty="0"/>
-              <a:t>, which can be used for the preparation of JavaMail MIME messages. This </a:t>
-            </a:r>
-            <a:r>
-              <a:rPr lang="en-US" sz="1200" dirty="0"/>
-              <a:t>preparator</a:t>
-            </a:r>
-            <a:r>
-              <a:rPr lang="en-US" sz="1200" dirty="0"/>
-              <a:t> can then be passed to </a:t>
-            </a:r>
-            <a:r>
-              <a:rPr lang="en-US" sz="1200" dirty="0"/>
-              <a:t>javaMailSender</a:t>
-            </a:r>
-            <a:r>
-              <a:rPr lang="en-US" sz="1200" dirty="0"/>
-              <a:t> while calling send to actually send the message.</a:t>
-            </a:r>
-            <a:endParaRPr lang="en-US" sz="1200" dirty="0"/>
+              <a:t>, which can be used for the preparation of JavaMail MIME messages. This preparator can then be passed to javaMailSender while calling send to actually send the message.</a:t>
+            </a:r>
           </a:p>
         </p:txBody>
       </p:sp>
@@ -5869,52 +5795,6 @@
           </a:p>
         </p:txBody>
       </p:sp>
-      <p:pic>
-        <p:nvPicPr>
-          <p:cNvPr id="3075" name="Picture 3"/>
-          <p:cNvPicPr>
-            <a:picLocks noChangeAspect="1" noChangeArrowheads="1"/>
-          </p:cNvPicPr>
-          <p:nvPr/>
-        </p:nvPicPr>
-        <p:blipFill>
-          <a:blip r:embed="rId3">
-            <a:extLst>
-              <a:ext uri="{28A0092B-C50C-407E-A947-70E740481C1C}">
-                <a14:useLocalDpi xmlns:a14="http://schemas.microsoft.com/office/drawing/2010/main" val="0"/>
-              </a:ext>
-            </a:extLst>
-          </a:blip>
-          <a:srcRect/>
-          <a:stretch>
-            <a:fillRect/>
-          </a:stretch>
-        </p:blipFill>
-        <p:spPr bwMode="auto">
-          <a:xfrm>
-            <a:off x="155575" y="436563"/>
-            <a:ext cx="5459412" cy="3068637"/>
-          </a:xfrm>
-          <a:prstGeom prst="rect">
-            <a:avLst/>
-          </a:prstGeom>
-          <a:ln/>
-        </p:spPr>
-        <p:style>
-          <a:lnRef idx="1">
-            <a:schemeClr val="accent4"/>
-          </a:lnRef>
-          <a:fillRef idx="3">
-            <a:schemeClr val="accent4"/>
-          </a:fillRef>
-          <a:effectRef idx="2">
-            <a:schemeClr val="accent4"/>
-          </a:effectRef>
-          <a:fontRef idx="minor">
-            <a:schemeClr val="lt1"/>
-          </a:fontRef>
-        </p:style>
-      </p:pic>
     </p:spTree>
     <p:extLst>
       <p:ext uri="{BB962C8B-B14F-4D97-AF65-F5344CB8AC3E}">
